--- a/Slides/6.Hash2Authentication.pptx
+++ b/Slides/6.Hash2Authentication.pptx
@@ -158,6 +158,22 @@
       </a:defRPr>
     </a:lvl9pPr>
   </p:defaultTextStyle>
+  <p:extLst>
+    <p:ext uri="{EFAFB233-063F-42B5-8137-9DF3F51BA10A}">
+      <p15:sldGuideLst xmlns:p15="http://schemas.microsoft.com/office/powerpoint/2012/main">
+        <p15:guide id="1" orient="horz" pos="2160">
+          <p15:clr>
+            <a:srgbClr val="A4A3A4"/>
+          </p15:clr>
+        </p15:guide>
+        <p15:guide id="2" pos="2880">
+          <p15:clr>
+            <a:srgbClr val="A4A3A4"/>
+          </p15:clr>
+        </p15:guide>
+      </p15:sldGuideLst>
+    </p:ext>
+  </p:extLst>
 </p:presentation>
 </file>
 
@@ -244,7 +260,7 @@
             <a:fld id="{AD47CF68-C619-4066-8A6D-C319F740D451}" type="datetimeFigureOut">
               <a:rPr lang="en-US" smtClean="0"/>
               <a:pPr/>
-              <a:t>10/6/2015</a:t>
+              <a:t>3/7/18</a:t>
             </a:fld>
             <a:endParaRPr lang="en-US"/>
           </a:p>
@@ -1057,7 +1073,7 @@
             <a:fld id="{CFADA444-E7D5-429B-9FBF-0ABDAF059E53}" type="datetime1">
               <a:rPr lang="en-US" smtClean="0"/>
               <a:pPr/>
-              <a:t>10/6/2015</a:t>
+              <a:t>3/7/18</a:t>
             </a:fld>
             <a:endParaRPr lang="en-US"/>
           </a:p>
@@ -1228,7 +1244,7 @@
             <a:fld id="{542291D1-DC05-4946-8FFD-1959631F50AA}" type="datetime1">
               <a:rPr lang="en-US" smtClean="0"/>
               <a:pPr/>
-              <a:t>10/6/2015</a:t>
+              <a:t>3/7/18</a:t>
             </a:fld>
             <a:endParaRPr lang="en-US"/>
           </a:p>
@@ -1409,7 +1425,7 @@
             <a:fld id="{ACDD59AA-9A82-45A9-B30D-89A73FA5B7B2}" type="datetime1">
               <a:rPr lang="en-US" smtClean="0"/>
               <a:pPr/>
-              <a:t>10/6/2015</a:t>
+              <a:t>3/7/18</a:t>
             </a:fld>
             <a:endParaRPr lang="en-US"/>
           </a:p>
@@ -1586,7 +1602,7 @@
             <a:fld id="{EF9B5860-6334-4556-AB79-6B8BA4EE6068}" type="datetime1">
               <a:rPr lang="en-US" smtClean="0"/>
               <a:pPr/>
-              <a:t>10/6/2015</a:t>
+              <a:t>3/7/18</a:t>
             </a:fld>
             <a:endParaRPr lang="en-US"/>
           </a:p>
@@ -1833,7 +1849,7 @@
             <a:fld id="{838899EA-165F-4001-82FF-1A02E0D8CEDC}" type="datetime1">
               <a:rPr lang="en-US" smtClean="0"/>
               <a:pPr/>
-              <a:t>10/6/2015</a:t>
+              <a:t>3/7/18</a:t>
             </a:fld>
             <a:endParaRPr lang="en-US"/>
           </a:p>
@@ -2122,7 +2138,7 @@
             <a:fld id="{0A47F664-481A-4F24-8CAD-08BD014B83A6}" type="datetime1">
               <a:rPr lang="en-US" smtClean="0"/>
               <a:pPr/>
-              <a:t>10/6/2015</a:t>
+              <a:t>3/7/18</a:t>
             </a:fld>
             <a:endParaRPr lang="en-US"/>
           </a:p>
@@ -2545,7 +2561,7 @@
             <a:fld id="{54F9160D-F0A2-4990-9E8C-E59EBF066F8A}" type="datetime1">
               <a:rPr lang="en-US" smtClean="0"/>
               <a:pPr/>
-              <a:t>10/6/2015</a:t>
+              <a:t>3/7/18</a:t>
             </a:fld>
             <a:endParaRPr lang="en-US"/>
           </a:p>
@@ -2664,7 +2680,7 @@
             <a:fld id="{9368FA3C-0F01-4EB5-AE48-700886A53DBB}" type="datetime1">
               <a:rPr lang="en-US" smtClean="0"/>
               <a:pPr/>
-              <a:t>10/6/2015</a:t>
+              <a:t>3/7/18</a:t>
             </a:fld>
             <a:endParaRPr lang="en-US"/>
           </a:p>
@@ -2760,7 +2776,7 @@
             <a:fld id="{D060BDB7-22FC-42F5-A015-A2D1E6036EDD}" type="datetime1">
               <a:rPr lang="en-US" smtClean="0"/>
               <a:pPr/>
-              <a:t>10/6/2015</a:t>
+              <a:t>3/7/18</a:t>
             </a:fld>
             <a:endParaRPr lang="en-US"/>
           </a:p>
@@ -3038,7 +3054,7 @@
             <a:fld id="{2480DE4B-7333-49DB-8CAD-6623536D6998}" type="datetime1">
               <a:rPr lang="en-US" smtClean="0"/>
               <a:pPr/>
-              <a:t>10/6/2015</a:t>
+              <a:t>3/7/18</a:t>
             </a:fld>
             <a:endParaRPr lang="en-US"/>
           </a:p>
@@ -3296,7 +3312,7 @@
             <a:fld id="{E06A0671-B8DF-459C-B199-F218B854968E}" type="datetime1">
               <a:rPr lang="en-US" smtClean="0"/>
               <a:pPr/>
-              <a:t>10/6/2015</a:t>
+              <a:t>3/7/18</a:t>
             </a:fld>
             <a:endParaRPr lang="en-US"/>
           </a:p>
@@ -3510,7 +3526,7 @@
             <a:fld id="{F47A1715-F6FD-420D-A2AF-E6D9371CB746}" type="datetime1">
               <a:rPr lang="en-US" smtClean="0"/>
               <a:pPr/>
-              <a:t>10/6/2015</a:t>
+              <a:t>3/7/18</a:t>
             </a:fld>
             <a:endParaRPr lang="en-US"/>
           </a:p>
@@ -22983,7 +22999,7 @@
           <a:bodyPr/>
           <a:lstStyle/>
           <a:p>
-            <a:pPr eaLnBrk="1" hangingPunct="1">
+            <a:pPr>
               <a:spcAft>
                 <a:spcPts val="600"/>
               </a:spcAft>
@@ -22994,7 +23010,7 @@
             </a:r>
           </a:p>
           <a:p>
-            <a:pPr lvl="1" eaLnBrk="1" hangingPunct="1">
+            <a:pPr lvl="1">
               <a:spcAft>
                 <a:spcPts val="600"/>
               </a:spcAft>
@@ -23005,7 +23021,7 @@
             </a:r>
           </a:p>
           <a:p>
-            <a:pPr lvl="1" eaLnBrk="1" hangingPunct="1">
+            <a:pPr lvl="1">
               <a:spcAft>
                 <a:spcPts val="600"/>
               </a:spcAft>
@@ -23016,7 +23032,7 @@
             </a:r>
           </a:p>
           <a:p>
-            <a:pPr eaLnBrk="1" hangingPunct="1">
+            <a:pPr>
               <a:spcAft>
                 <a:spcPts val="600"/>
               </a:spcAft>
@@ -23028,7 +23044,7 @@
             <a:endParaRPr lang="en-US" sz="2800" dirty="0"/>
           </a:p>
           <a:p>
-            <a:pPr lvl="1" eaLnBrk="1" hangingPunct="1">
+            <a:pPr lvl="1">
               <a:spcAft>
                 <a:spcPts val="600"/>
               </a:spcAft>
@@ -23039,7 +23055,7 @@
             </a:r>
           </a:p>
           <a:p>
-            <a:pPr lvl="1" eaLnBrk="1" hangingPunct="1">
+            <a:pPr lvl="1">
               <a:spcAft>
                 <a:spcPts val="600"/>
               </a:spcAft>
@@ -23062,7 +23078,7 @@
             </a:r>
           </a:p>
           <a:p>
-            <a:pPr lvl="1" eaLnBrk="1" hangingPunct="1">
+            <a:pPr lvl="1">
               <a:spcAft>
                 <a:spcPts val="600"/>
               </a:spcAft>
